--- a/MineCraft Simulation.pptx
+++ b/MineCraft Simulation.pptx
@@ -269,11 +269,11 @@
         </c:dLbls>
         <c:gapWidth val="219"/>
         <c:overlap val="-27"/>
-        <c:axId val="351686728"/>
-        <c:axId val="351689864"/>
+        <c:axId val="272798256"/>
+        <c:axId val="272799040"/>
       </c:barChart>
       <c:catAx>
-        <c:axId val="351686728"/>
+        <c:axId val="272798256"/>
         <c:scaling>
           <c:orientation val="minMax"/>
         </c:scaling>
@@ -316,7 +316,7 @@
             <a:endParaRPr lang="en-US"/>
           </a:p>
         </c:txPr>
-        <c:crossAx val="351689864"/>
+        <c:crossAx val="272799040"/>
         <c:crosses val="autoZero"/>
         <c:auto val="0"/>
         <c:lblAlgn val="ctr"/>
@@ -324,7 +324,7 @@
         <c:noMultiLvlLbl val="0"/>
       </c:catAx>
       <c:valAx>
-        <c:axId val="351689864"/>
+        <c:axId val="272799040"/>
         <c:scaling>
           <c:orientation val="minMax"/>
           <c:min val="1600"/>
@@ -376,7 +376,7 @@
             <a:endParaRPr lang="en-US"/>
           </a:p>
         </c:txPr>
-        <c:crossAx val="351686728"/>
+        <c:crossAx val="272798256"/>
         <c:crosses val="autoZero"/>
         <c:crossBetween val="between"/>
       </c:valAx>
@@ -561,11 +561,11 @@
         </c:dLbls>
         <c:gapWidth val="219"/>
         <c:overlap val="-27"/>
-        <c:axId val="308989392"/>
-        <c:axId val="308982336"/>
+        <c:axId val="272799432"/>
+        <c:axId val="272792768"/>
       </c:barChart>
       <c:catAx>
-        <c:axId val="308989392"/>
+        <c:axId val="272799432"/>
         <c:scaling>
           <c:orientation val="minMax"/>
         </c:scaling>
@@ -608,7 +608,7 @@
             <a:endParaRPr lang="en-US"/>
           </a:p>
         </c:txPr>
-        <c:crossAx val="308982336"/>
+        <c:crossAx val="272792768"/>
         <c:crosses val="autoZero"/>
         <c:auto val="1"/>
         <c:lblAlgn val="ctr"/>
@@ -616,7 +616,7 @@
         <c:noMultiLvlLbl val="0"/>
       </c:catAx>
       <c:valAx>
-        <c:axId val="308982336"/>
+        <c:axId val="272792768"/>
         <c:scaling>
           <c:orientation val="minMax"/>
           <c:min val="80000000"/>
@@ -668,7 +668,7 @@
             <a:endParaRPr lang="en-US"/>
           </a:p>
         </c:txPr>
-        <c:crossAx val="308989392"/>
+        <c:crossAx val="272799432"/>
         <c:crosses val="autoZero"/>
         <c:crossBetween val="between"/>
       </c:valAx>
@@ -2479,7 +2479,7 @@
             <a:fld id="{B61BEF0D-F0BB-DE4B-95CE-6DB70DBA9567}" type="datetimeFigureOut">
               <a:rPr lang="en-US" dirty="0"/>
               <a:pPr/>
-              <a:t>4/20/2016</a:t>
+              <a:t>4/21/2016</a:t>
             </a:fld>
             <a:endParaRPr lang="en-US" dirty="0"/>
           </a:p>
@@ -2727,7 +2727,7 @@
             <a:fld id="{B61BEF0D-F0BB-DE4B-95CE-6DB70DBA9567}" type="datetimeFigureOut">
               <a:rPr lang="en-US" dirty="0"/>
               <a:pPr/>
-              <a:t>4/20/2016</a:t>
+              <a:t>4/21/2016</a:t>
             </a:fld>
             <a:endParaRPr lang="en-US" dirty="0"/>
           </a:p>
@@ -3038,7 +3038,7 @@
             <a:fld id="{B61BEF0D-F0BB-DE4B-95CE-6DB70DBA9567}" type="datetimeFigureOut">
               <a:rPr lang="en-US" dirty="0"/>
               <a:pPr/>
-              <a:t>4/20/2016</a:t>
+              <a:t>4/21/2016</a:t>
             </a:fld>
             <a:endParaRPr lang="en-US" dirty="0"/>
           </a:p>
@@ -3376,7 +3376,7 @@
             <a:fld id="{B61BEF0D-F0BB-DE4B-95CE-6DB70DBA9567}" type="datetimeFigureOut">
               <a:rPr lang="en-US" dirty="0"/>
               <a:pPr/>
-              <a:t>4/20/2016</a:t>
+              <a:t>4/21/2016</a:t>
             </a:fld>
             <a:endParaRPr lang="en-US" dirty="0"/>
           </a:p>
@@ -3687,7 +3687,7 @@
             <a:fld id="{B61BEF0D-F0BB-DE4B-95CE-6DB70DBA9567}" type="datetimeFigureOut">
               <a:rPr lang="en-US" dirty="0"/>
               <a:pPr/>
-              <a:t>4/20/2016</a:t>
+              <a:t>4/21/2016</a:t>
             </a:fld>
             <a:endParaRPr lang="en-US" dirty="0"/>
           </a:p>
@@ -4077,7 +4077,7 @@
             <a:fld id="{B61BEF0D-F0BB-DE4B-95CE-6DB70DBA9567}" type="datetimeFigureOut">
               <a:rPr lang="en-US" dirty="0"/>
               <a:pPr/>
-              <a:t>4/20/2016</a:t>
+              <a:t>4/21/2016</a:t>
             </a:fld>
             <a:endParaRPr lang="en-US" dirty="0"/>
           </a:p>
@@ -4243,7 +4243,7 @@
           <a:p>
             <a:fld id="{55C6B4A9-1611-4792-9094-5F34BCA07E0B}" type="datetimeFigureOut">
               <a:rPr lang="en-US" dirty="0"/>
-              <a:t>4/20/2016</a:t>
+              <a:t>4/21/2016</a:t>
             </a:fld>
             <a:endParaRPr lang="en-US" dirty="0"/>
           </a:p>
@@ -4419,7 +4419,7 @@
             <a:fld id="{B61BEF0D-F0BB-DE4B-95CE-6DB70DBA9567}" type="datetimeFigureOut">
               <a:rPr lang="en-US" dirty="0"/>
               <a:pPr/>
-              <a:t>4/20/2016</a:t>
+              <a:t>4/21/2016</a:t>
             </a:fld>
             <a:endParaRPr lang="en-US" dirty="0"/>
           </a:p>
@@ -4592,7 +4592,7 @@
             <a:fld id="{B61BEF0D-F0BB-DE4B-95CE-6DB70DBA9567}" type="datetimeFigureOut">
               <a:rPr lang="en-US" dirty="0"/>
               <a:pPr/>
-              <a:t>4/20/2016</a:t>
+              <a:t>4/21/2016</a:t>
             </a:fld>
             <a:endParaRPr lang="en-US" dirty="0"/>
           </a:p>
@@ -4836,7 +4836,7 @@
             <a:fld id="{B61BEF0D-F0BB-DE4B-95CE-6DB70DBA9567}" type="datetimeFigureOut">
               <a:rPr lang="en-US" dirty="0"/>
               <a:pPr/>
-              <a:t>4/20/2016</a:t>
+              <a:t>4/21/2016</a:t>
             </a:fld>
             <a:endParaRPr lang="en-US" dirty="0"/>
           </a:p>
@@ -5064,7 +5064,7 @@
           <a:p>
             <a:fld id="{EB712588-04B1-427B-82EE-E8DB90309F08}" type="datetimeFigureOut">
               <a:rPr lang="en-US" dirty="0"/>
-              <a:t>4/20/2016</a:t>
+              <a:t>4/21/2016</a:t>
             </a:fld>
             <a:endParaRPr lang="en-US" dirty="0"/>
           </a:p>
@@ -5434,7 +5434,7 @@
             <a:fld id="{B61BEF0D-F0BB-DE4B-95CE-6DB70DBA9567}" type="datetimeFigureOut">
               <a:rPr lang="en-US" dirty="0"/>
               <a:pPr/>
-              <a:t>4/20/2016</a:t>
+              <a:t>4/21/2016</a:t>
             </a:fld>
             <a:endParaRPr lang="en-US" dirty="0"/>
           </a:p>
@@ -5554,7 +5554,7 @@
             <a:fld id="{B61BEF0D-F0BB-DE4B-95CE-6DB70DBA9567}" type="datetimeFigureOut">
               <a:rPr lang="en-US" dirty="0"/>
               <a:pPr/>
-              <a:t>4/20/2016</a:t>
+              <a:t>4/21/2016</a:t>
             </a:fld>
             <a:endParaRPr lang="en-US" dirty="0"/>
           </a:p>
@@ -5646,7 +5646,7 @@
             <a:fld id="{B61BEF0D-F0BB-DE4B-95CE-6DB70DBA9567}" type="datetimeFigureOut">
               <a:rPr lang="en-US" dirty="0"/>
               <a:pPr/>
-              <a:t>4/20/2016</a:t>
+              <a:t>4/21/2016</a:t>
             </a:fld>
             <a:endParaRPr lang="en-US" dirty="0"/>
           </a:p>
@@ -5897,7 +5897,7 @@
           <a:p>
             <a:fld id="{42A54C80-263E-416B-A8E0-580EDEADCBDC}" type="datetimeFigureOut">
               <a:rPr lang="en-US" dirty="0"/>
-              <a:t>4/20/2016</a:t>
+              <a:t>4/21/2016</a:t>
             </a:fld>
             <a:endParaRPr lang="en-US" dirty="0"/>
           </a:p>
@@ -6156,7 +6156,7 @@
             <a:fld id="{B61BEF0D-F0BB-DE4B-95CE-6DB70DBA9567}" type="datetimeFigureOut">
               <a:rPr lang="en-US" dirty="0"/>
               <a:pPr/>
-              <a:t>4/20/2016</a:t>
+              <a:t>4/21/2016</a:t>
             </a:fld>
             <a:endParaRPr lang="en-US" dirty="0"/>
           </a:p>
@@ -6896,7 +6896,7 @@
             <a:fld id="{B61BEF0D-F0BB-DE4B-95CE-6DB70DBA9567}" type="datetimeFigureOut">
               <a:rPr lang="en-US" dirty="0"/>
               <a:pPr/>
-              <a:t>4/20/2016</a:t>
+              <a:t>4/21/2016</a:t>
             </a:fld>
             <a:endParaRPr lang="en-US" dirty="0"/>
           </a:p>
@@ -7647,9 +7647,16 @@
             <p:ph idx="1"/>
           </p:nvPr>
         </p:nvSpPr>
-        <p:spPr/>
-        <p:txBody>
-          <a:bodyPr/>
+        <p:spPr>
+          <a:xfrm>
+            <a:off x="677334" y="1930401"/>
+            <a:ext cx="8596668" cy="4110962"/>
+          </a:xfrm>
+        </p:spPr>
+        <p:txBody>
+          <a:bodyPr>
+            <a:normAutofit/>
+          </a:bodyPr>
           <a:lstStyle/>
           <a:p>
             <a:r>
@@ -7688,39 +7695,68 @@
             <a:pPr lvl="1"/>
             <a:r>
               <a:rPr lang="en-US" dirty="0" smtClean="0"/>
-              <a:t>Infinite Coal Supply</a:t>
-            </a:r>
-          </a:p>
-          <a:p>
+              <a:t>Infinite Coal </a:t>
+            </a:r>
             <a:r>
               <a:rPr lang="en-US" dirty="0" smtClean="0"/>
-              <a:t>Future Work</a:t>
-            </a:r>
+              <a:t>Supply</a:t>
+            </a:r>
+            <a:endParaRPr lang="en-US" dirty="0"/>
+          </a:p>
+          <a:p>
+            <a:r>
+              <a:rPr lang="en-US" dirty="0" smtClean="0"/>
+              <a:t>If there was more time</a:t>
+            </a:r>
+            <a:endParaRPr lang="en-US" dirty="0"/>
           </a:p>
           <a:p>
             <a:pPr lvl="1"/>
             <a:r>
-              <a:rPr lang="en-US" dirty="0" smtClean="0"/>
+              <a:rPr lang="en-US" dirty="0"/>
               <a:t>Incorporate Clumping and Caverns</a:t>
             </a:r>
           </a:p>
           <a:p>
             <a:pPr lvl="1"/>
-            <a:r>
-              <a:rPr lang="en-US" dirty="0" smtClean="0"/>
-              <a:t>More Realistic Generator Approach</a:t>
-            </a:r>
+            <a:endParaRPr lang="en-US" dirty="0" smtClean="0"/>
           </a:p>
           <a:p>
             <a:pPr lvl="1"/>
-            <a:r>
-              <a:rPr lang="en-US" dirty="0" smtClean="0"/>
-              <a:t>Machine Upgrades</a:t>
-            </a:r>
             <a:endParaRPr lang="en-US" dirty="0" smtClean="0"/>
           </a:p>
         </p:txBody>
       </p:sp>
+      <p:pic>
+        <p:nvPicPr>
+          <p:cNvPr id="4" name="Picture 3"/>
+          <p:cNvPicPr>
+            <a:picLocks noChangeAspect="1"/>
+          </p:cNvPicPr>
+          <p:nvPr/>
+        </p:nvPicPr>
+        <p:blipFill>
+          <a:blip r:embed="rId2">
+            <a:extLst>
+              <a:ext uri="{28A0092B-C50C-407E-A947-70E740481C1C}">
+                <a14:useLocalDpi xmlns:a14="http://schemas.microsoft.com/office/drawing/2010/main" val="0"/>
+              </a:ext>
+            </a:extLst>
+          </a:blip>
+          <a:stretch>
+            <a:fillRect/>
+          </a:stretch>
+        </p:blipFill>
+        <p:spPr>
+          <a:xfrm>
+            <a:off x="6335206" y="1095889"/>
+            <a:ext cx="3220752" cy="4945474"/>
+          </a:xfrm>
+          <a:prstGeom prst="rect">
+            <a:avLst/>
+          </a:prstGeom>
+        </p:spPr>
+      </p:pic>
     </p:spTree>
     <p:extLst>
       <p:ext uri="{BB962C8B-B14F-4D97-AF65-F5344CB8AC3E}">
@@ -7797,35 +7833,50 @@
           <a:p>
             <a:r>
               <a:rPr lang="en-US" dirty="0" smtClean="0"/>
-              <a:t>Thus far we have found that there isn’t a considerable difference in the amount of bars produced, but that power consumption plays a huge role, we will continue tests until all paths have been exhausted</a:t>
-            </a:r>
-          </a:p>
-          <a:p>
+              <a:t>Thus far we have found that there isn’t a considerable difference in the amount of bars produced, but that power consumption plays a huge role, we will continue tests until all paths have been </a:t>
+            </a:r>
+            <a:r>
+              <a:rPr lang="en-US" dirty="0"/>
+              <a:t>exhausted</a:t>
+            </a:r>
+          </a:p>
+          <a:p>
+            <a:r>
+              <a:rPr lang="en-US" dirty="0"/>
+              <a:t>Future </a:t>
+            </a:r>
             <a:r>
               <a:rPr lang="en-US" dirty="0" smtClean="0"/>
-              <a:t>Future Experiments</a:t>
+              <a:t>Work</a:t>
             </a:r>
           </a:p>
           <a:p>
             <a:pPr lvl="1"/>
             <a:r>
               <a:rPr lang="en-US" dirty="0" smtClean="0"/>
-              <a:t>Upgrades to the Refining Process</a:t>
+              <a:t>More </a:t>
+            </a:r>
+            <a:r>
+              <a:rPr lang="en-US" dirty="0"/>
+              <a:t>Realistic Generator Approach</a:t>
             </a:r>
           </a:p>
           <a:p>
             <a:pPr lvl="1"/>
             <a:r>
-              <a:rPr lang="en-US" dirty="0" smtClean="0"/>
-              <a:t>Include Clumping and Clustering</a:t>
+              <a:rPr lang="en-US" dirty="0"/>
+              <a:t>Machine Upgrades</a:t>
             </a:r>
           </a:p>
           <a:p>
             <a:pPr lvl="1"/>
             <a:r>
-              <a:rPr lang="en-US" dirty="0" smtClean="0"/>
+              <a:rPr lang="en-US" dirty="0"/>
               <a:t>Model Without Environmental Simplifications Such as No Water/Lava</a:t>
             </a:r>
+          </a:p>
+          <a:p>
+            <a:endParaRPr lang="en-US" dirty="0" smtClean="0"/>
           </a:p>
         </p:txBody>
       </p:sp>
@@ -8108,11 +8159,7 @@
           <a:p>
             <a:r>
               <a:rPr lang="en-US" dirty="0" smtClean="0"/>
-              <a:t>Problem </a:t>
-            </a:r>
-            <a:r>
-              <a:rPr lang="en-US" dirty="0" smtClean="0"/>
-              <a:t>Statement</a:t>
+              <a:t>Problem Statement</a:t>
             </a:r>
             <a:endParaRPr lang="en-US" dirty="0"/>
           </a:p>
@@ -8137,13 +8184,8 @@
           <a:p>
             <a:r>
               <a:rPr lang="en-US" dirty="0" smtClean="0"/>
-              <a:t>With our mining done we now moved onto optimizing block usage, this was simulated in three ways, optimal power consumption, bar output, and </a:t>
-            </a:r>
-            <a:r>
-              <a:rPr lang="en-US" dirty="0" smtClean="0"/>
-              <a:t>time</a:t>
-            </a:r>
-            <a:endParaRPr lang="en-US" dirty="0" smtClean="0"/>
+              <a:t>With our mining done we now moved onto optimizing block usage, this was simulated in three ways, optimal power consumption, bar output, and time</a:t>
+            </a:r>
           </a:p>
           <a:p>
             <a:r>
@@ -8438,11 +8480,7 @@
           <a:p>
             <a:r>
               <a:rPr lang="en-US" dirty="0" smtClean="0"/>
-              <a:t>Experimental </a:t>
-            </a:r>
-            <a:r>
-              <a:rPr lang="en-US" dirty="0" smtClean="0"/>
-              <a:t>Setup</a:t>
+              <a:t>Experimental Setup</a:t>
             </a:r>
             <a:endParaRPr lang="en-US" dirty="0"/>
           </a:p>
@@ -8471,11 +8509,7 @@
           <a:p>
             <a:r>
               <a:rPr lang="en-US" dirty="0" smtClean="0"/>
-              <a:t>Our structure allowed for multiple paths to be taken through various machines which each utilized different amounts of power and took varying amoun</a:t>
-            </a:r>
-            <a:r>
-              <a:rPr lang="en-US" dirty="0" smtClean="0"/>
-              <a:t>ts of times</a:t>
+              <a:t>Our structure allowed for multiple paths to be taken through various machines which each utilized different amounts of power and took varying amounts of times</a:t>
             </a:r>
           </a:p>
           <a:p>
